--- a/06 Thread Synchronization 1/Thread Synchronization.pptx
+++ b/06 Thread Synchronization 1/Thread Synchronization.pptx
@@ -243,7 +243,7 @@
           <a:p>
             <a:fld id="{C3D45B35-5990-4A22-9246-3EAB55A12994}" type="datetimeFigureOut">
               <a:rPr lang="da-DK" smtClean="0"/>
-              <a:t>30.09.2022</a:t>
+              <a:t>27-09-2023</a:t>
             </a:fld>
             <a:endParaRPr lang="da-DK"/>
           </a:p>
@@ -8241,6 +8241,13 @@
   <p:clrMapOvr>
     <a:masterClrMapping/>
   </p:clrMapOvr>
+  <p:timing>
+    <p:tnLst>
+      <p:par>
+        <p:cTn id="1" dur="indefinite" restart="never" nodeType="tmRoot"/>
+      </p:par>
+    </p:tnLst>
+  </p:timing>
 </p:sld>
 </file>
 
@@ -8546,7 +8553,7 @@
           </a:lstStyle>
           <a:p>
             <a:r>
-              <a:rPr lang="da-DK" sz="1400" dirty="0">
+              <a:rPr lang="da-DK" sz="1400" dirty="0" err="1">
                 <a:solidFill>
                   <a:srgbClr val="000000"/>
                 </a:solidFill>
@@ -8555,10 +8562,10 @@
                 </a:highlight>
                 <a:latin typeface="Consolas"/>
               </a:rPr>
-              <a:t>class </a:t>
-            </a:r>
-            <a:r>
-              <a:rPr lang="da-DK" sz="1400" dirty="0" err="1">
+              <a:t>class</a:t>
+            </a:r>
+            <a:r>
+              <a:rPr lang="da-DK" sz="1400" dirty="0">
                 <a:solidFill>
                   <a:srgbClr val="000000"/>
                 </a:solidFill>
@@ -8567,7 +8574,19 @@
                 </a:highlight>
                 <a:latin typeface="Consolas"/>
               </a:rPr>
-              <a:t>Counter</a:t>
+              <a:t> </a:t>
+            </a:r>
+            <a:r>
+              <a:rPr lang="da-DK" sz="1400" dirty="0" err="1" smtClean="0">
+                <a:solidFill>
+                  <a:srgbClr val="000000"/>
+                </a:solidFill>
+                <a:highlight>
+                  <a:srgbClr val="FFFFFF"/>
+                </a:highlight>
+                <a:latin typeface="Consolas"/>
+              </a:rPr>
+              <a:t>TotalCount</a:t>
             </a:r>
             <a:endParaRPr lang="da-DK" sz="1400" dirty="0">
               <a:solidFill>
@@ -9193,6 +9212,13 @@
     <a:masterClrMapping/>
   </p:clrMapOvr>
   <p:transition/>
+  <p:timing>
+    <p:tnLst>
+      <p:par>
+        <p:cTn id="1" dur="indefinite" restart="never" nodeType="tmRoot"/>
+      </p:par>
+    </p:tnLst>
+  </p:timing>
 </p:sld>
 </file>
 
@@ -9276,6 +9302,13 @@
   <p:clrMapOvr>
     <a:masterClrMapping/>
   </p:clrMapOvr>
+  <p:timing>
+    <p:tnLst>
+      <p:par>
+        <p:cTn id="1" dur="indefinite" restart="never" nodeType="tmRoot"/>
+      </p:par>
+    </p:tnLst>
+  </p:timing>
 </p:sld>
 </file>
 
@@ -10078,6 +10111,13 @@
   <p:clrMapOvr>
     <a:masterClrMapping/>
   </p:clrMapOvr>
+  <p:timing>
+    <p:tnLst>
+      <p:par>
+        <p:cTn id="1" dur="indefinite" restart="never" nodeType="tmRoot"/>
+      </p:par>
+    </p:tnLst>
+  </p:timing>
 </p:sld>
 </file>
 
@@ -12892,6 +12932,13 @@
   <p:clrMapOvr>
     <a:masterClrMapping/>
   </p:clrMapOvr>
+  <p:timing>
+    <p:tnLst>
+      <p:par>
+        <p:cTn id="1" dur="indefinite" restart="never" nodeType="tmRoot"/>
+      </p:par>
+    </p:tnLst>
+  </p:timing>
 </p:sld>
 </file>
 
@@ -12964,6 +13011,13 @@
   <p:clrMapOvr>
     <a:masterClrMapping/>
   </p:clrMapOvr>
+  <p:timing>
+    <p:tnLst>
+      <p:par>
+        <p:cTn id="1" dur="indefinite" restart="never" nodeType="tmRoot"/>
+      </p:par>
+    </p:tnLst>
+  </p:timing>
 </p:sld>
 </file>
 
@@ -13080,6 +13134,13 @@
   <p:clrMapOvr>
     <a:masterClrMapping/>
   </p:clrMapOvr>
+  <p:timing>
+    <p:tnLst>
+      <p:par>
+        <p:cTn id="1" dur="indefinite" restart="never" nodeType="tmRoot"/>
+      </p:par>
+    </p:tnLst>
+  </p:timing>
 </p:sld>
 </file>
 
@@ -13376,6 +13437,13 @@
   <p:clrMapOvr>
     <a:masterClrMapping/>
   </p:clrMapOvr>
+  <p:timing>
+    <p:tnLst>
+      <p:par>
+        <p:cTn id="1" dur="indefinite" restart="never" nodeType="tmRoot"/>
+      </p:par>
+    </p:tnLst>
+  </p:timing>
 </p:sld>
 </file>
 
@@ -13700,6 +13768,13 @@
   <p:clrMapOvr>
     <a:masterClrMapping/>
   </p:clrMapOvr>
+  <p:timing>
+    <p:tnLst>
+      <p:par>
+        <p:cTn id="1" dur="indefinite" restart="never" nodeType="tmRoot"/>
+      </p:par>
+    </p:tnLst>
+  </p:timing>
 </p:sld>
 </file>
 
@@ -14072,6 +14147,13 @@
   <p:clrMapOvr>
     <a:masterClrMapping/>
   </p:clrMapOvr>
+  <p:timing>
+    <p:tnLst>
+      <p:par>
+        <p:cTn id="1" dur="indefinite" restart="never" nodeType="tmRoot"/>
+      </p:par>
+    </p:tnLst>
+  </p:timing>
 </p:sld>
 </file>
 
@@ -14681,6 +14763,13 @@
   <p:clrMapOvr>
     <a:masterClrMapping/>
   </p:clrMapOvr>
+  <p:timing>
+    <p:tnLst>
+      <p:par>
+        <p:cTn id="1" dur="indefinite" restart="never" nodeType="tmRoot"/>
+      </p:par>
+    </p:tnLst>
+  </p:timing>
 </p:sld>
 </file>
 
@@ -15348,6 +15437,13 @@
   <p:clrMapOvr>
     <a:masterClrMapping/>
   </p:clrMapOvr>
+  <p:timing>
+    <p:tnLst>
+      <p:par>
+        <p:cTn id="1" dur="indefinite" restart="never" nodeType="tmRoot"/>
+      </p:par>
+    </p:tnLst>
+  </p:timing>
 </p:sld>
 </file>
 
@@ -16227,6 +16323,13 @@
   <p:clrMapOvr>
     <a:masterClrMapping/>
   </p:clrMapOvr>
+  <p:timing>
+    <p:tnLst>
+      <p:par>
+        <p:cTn id="1" dur="indefinite" restart="never" nodeType="tmRoot"/>
+      </p:par>
+    </p:tnLst>
+  </p:timing>
 </p:sld>
 </file>
 
@@ -16613,6 +16716,13 @@
   <p:clrMapOvr>
     <a:masterClrMapping/>
   </p:clrMapOvr>
+  <p:timing>
+    <p:tnLst>
+      <p:par>
+        <p:cTn id="1" dur="indefinite" restart="never" nodeType="tmRoot"/>
+      </p:par>
+    </p:tnLst>
+  </p:timing>
 </p:sld>
 </file>
 
@@ -16699,6 +16809,13 @@
   <p:clrMapOvr>
     <a:masterClrMapping/>
   </p:clrMapOvr>
+  <p:timing>
+    <p:tnLst>
+      <p:par>
+        <p:cTn id="1" dur="indefinite" restart="never" nodeType="tmRoot"/>
+      </p:par>
+    </p:tnLst>
+  </p:timing>
 </p:sld>
 </file>
 
@@ -16771,6 +16888,13 @@
   <p:clrMapOvr>
     <a:masterClrMapping/>
   </p:clrMapOvr>
+  <p:timing>
+    <p:tnLst>
+      <p:par>
+        <p:cTn id="1" dur="indefinite" restart="never" nodeType="tmRoot"/>
+      </p:par>
+    </p:tnLst>
+  </p:timing>
 </p:sld>
 </file>
 
@@ -17106,6 +17230,13 @@
   <p:clrMapOvr>
     <a:masterClrMapping/>
   </p:clrMapOvr>
+  <p:timing>
+    <p:tnLst>
+      <p:par>
+        <p:cTn id="1" dur="indefinite" restart="never" nodeType="tmRoot"/>
+      </p:par>
+    </p:tnLst>
+  </p:timing>
 </p:sld>
 </file>
 
@@ -17430,6 +17561,13 @@
   <p:clrMapOvr>
     <a:masterClrMapping/>
   </p:clrMapOvr>
+  <p:timing>
+    <p:tnLst>
+      <p:par>
+        <p:cTn id="1" dur="indefinite" restart="never" nodeType="tmRoot"/>
+      </p:par>
+    </p:tnLst>
+  </p:timing>
 </p:sld>
 </file>
 
@@ -17647,6 +17785,13 @@
   <p:clrMapOvr>
     <a:masterClrMapping/>
   </p:clrMapOvr>
+  <p:timing>
+    <p:tnLst>
+      <p:par>
+        <p:cTn id="1" dur="indefinite" restart="never" nodeType="tmRoot"/>
+      </p:par>
+    </p:tnLst>
+  </p:timing>
 </p:sld>
 </file>
 
@@ -17801,6 +17946,13 @@
   <p:clrMapOvr>
     <a:masterClrMapping/>
   </p:clrMapOvr>
+  <p:timing>
+    <p:tnLst>
+      <p:par>
+        <p:cTn id="1" dur="indefinite" restart="never" nodeType="tmRoot"/>
+      </p:par>
+    </p:tnLst>
+  </p:timing>
 </p:sld>
 </file>
 
@@ -18011,6 +18163,21 @@
   <p:clrMapOvr>
     <a:masterClrMapping/>
   </p:clrMapOvr>
+  <mc:AlternateContent xmlns:mc="http://schemas.openxmlformats.org/markup-compatibility/2006">
+    <mc:Choice xmlns:p14="http://schemas.microsoft.com/office/powerpoint/2010/main" Requires="p14">
+      <p:transition spd="slow" p14:dur="2000"/>
+    </mc:Choice>
+    <mc:Fallback>
+      <p:transition spd="slow"/>
+    </mc:Fallback>
+  </mc:AlternateContent>
+  <p:timing>
+    <p:tnLst>
+      <p:par>
+        <p:cTn id="1" dur="indefinite" restart="never" nodeType="tmRoot"/>
+      </p:par>
+    </p:tnLst>
+  </p:timing>
 </p:sld>
 </file>
 
@@ -18153,6 +18320,14 @@
   <p:clrMapOvr>
     <a:masterClrMapping/>
   </p:clrMapOvr>
+  <mc:AlternateContent xmlns:mc="http://schemas.openxmlformats.org/markup-compatibility/2006">
+    <mc:Choice xmlns:p14="http://schemas.microsoft.com/office/powerpoint/2010/main" Requires="p14">
+      <p:transition spd="slow" p14:dur="2000"/>
+    </mc:Choice>
+    <mc:Fallback>
+      <p:transition spd="slow"/>
+    </mc:Fallback>
+  </mc:AlternateContent>
 </p:sld>
 </file>
 
@@ -18694,6 +18869,14 @@
   <p:clrMapOvr>
     <a:masterClrMapping/>
   </p:clrMapOvr>
+  <mc:AlternateContent xmlns:mc="http://schemas.openxmlformats.org/markup-compatibility/2006">
+    <mc:Choice xmlns:p14="http://schemas.microsoft.com/office/powerpoint/2010/main" Requires="p14">
+      <p:transition spd="slow" p14:dur="2000"/>
+    </mc:Choice>
+    <mc:Fallback>
+      <p:transition spd="slow"/>
+    </mc:Fallback>
+  </mc:AlternateContent>
 </p:sld>
 </file>
 
@@ -19205,6 +19388,14 @@
   <p:clrMapOvr>
     <a:masterClrMapping/>
   </p:clrMapOvr>
+  <mc:AlternateContent xmlns:mc="http://schemas.openxmlformats.org/markup-compatibility/2006">
+    <mc:Choice xmlns:p14="http://schemas.microsoft.com/office/powerpoint/2010/main" Requires="p14">
+      <p:transition spd="slow" p14:dur="2000"/>
+    </mc:Choice>
+    <mc:Fallback>
+      <p:transition spd="slow"/>
+    </mc:Fallback>
+  </mc:AlternateContent>
 </p:sld>
 </file>
 
@@ -19719,6 +19910,14 @@
   <p:clrMapOvr>
     <a:masterClrMapping/>
   </p:clrMapOvr>
+  <mc:AlternateContent xmlns:mc="http://schemas.openxmlformats.org/markup-compatibility/2006">
+    <mc:Choice xmlns:p14="http://schemas.microsoft.com/office/powerpoint/2010/main" Requires="p14">
+      <p:transition spd="slow" p14:dur="2000"/>
+    </mc:Choice>
+    <mc:Fallback>
+      <p:transition spd="slow"/>
+    </mc:Fallback>
+  </mc:AlternateContent>
 </p:sld>
 </file>
 
@@ -20263,6 +20462,14 @@
   <p:clrMapOvr>
     <a:masterClrMapping/>
   </p:clrMapOvr>
+  <mc:AlternateContent xmlns:mc="http://schemas.openxmlformats.org/markup-compatibility/2006">
+    <mc:Choice xmlns:p14="http://schemas.microsoft.com/office/powerpoint/2010/main" Requires="p14">
+      <p:transition spd="slow" p14:dur="2000"/>
+    </mc:Choice>
+    <mc:Fallback>
+      <p:transition spd="slow"/>
+    </mc:Fallback>
+  </mc:AlternateContent>
 </p:sld>
 </file>
 
@@ -21469,6 +21676,14 @@
   <p:clrMapOvr>
     <a:masterClrMapping/>
   </p:clrMapOvr>
+  <mc:AlternateContent xmlns:mc="http://schemas.openxmlformats.org/markup-compatibility/2006">
+    <mc:Choice xmlns:p14="http://schemas.microsoft.com/office/powerpoint/2010/main" Requires="p14">
+      <p:transition spd="slow" p14:dur="2000"/>
+    </mc:Choice>
+    <mc:Fallback>
+      <p:transition spd="slow"/>
+    </mc:Fallback>
+  </mc:AlternateContent>
   <p:timing>
     <p:tnLst>
       <p:par>
@@ -22851,6 +23066,14 @@
   <p:clrMapOvr>
     <a:masterClrMapping/>
   </p:clrMapOvr>
+  <mc:AlternateContent xmlns:mc="http://schemas.openxmlformats.org/markup-compatibility/2006">
+    <mc:Choice xmlns:p14="http://schemas.microsoft.com/office/powerpoint/2010/main" Requires="p14">
+      <p:transition spd="slow" p14:dur="2000"/>
+    </mc:Choice>
+    <mc:Fallback>
+      <p:transition spd="slow"/>
+    </mc:Fallback>
+  </mc:AlternateContent>
 </p:sld>
 </file>
 
@@ -23460,6 +23683,14 @@
   <p:clrMapOvr>
     <a:masterClrMapping/>
   </p:clrMapOvr>
+  <mc:AlternateContent xmlns:mc="http://schemas.openxmlformats.org/markup-compatibility/2006">
+    <mc:Choice xmlns:p14="http://schemas.microsoft.com/office/powerpoint/2010/main" Requires="p14">
+      <p:transition spd="slow" p14:dur="2000"/>
+    </mc:Choice>
+    <mc:Fallback>
+      <p:transition spd="slow"/>
+    </mc:Fallback>
+  </mc:AlternateContent>
 </p:sld>
 </file>
 
@@ -24030,6 +24261,14 @@
   <p:clrMapOvr>
     <a:masterClrMapping/>
   </p:clrMapOvr>
+  <mc:AlternateContent xmlns:mc="http://schemas.openxmlformats.org/markup-compatibility/2006">
+    <mc:Choice xmlns:p14="http://schemas.microsoft.com/office/powerpoint/2010/main" Requires="p14">
+      <p:transition spd="slow" p14:dur="2000"/>
+    </mc:Choice>
+    <mc:Fallback>
+      <p:transition spd="slow"/>
+    </mc:Fallback>
+  </mc:AlternateContent>
 </p:sld>
 </file>
 
@@ -24447,6 +24686,13 @@
   <p:clrMapOvr>
     <a:masterClrMapping/>
   </p:clrMapOvr>
+  <p:timing>
+    <p:tnLst>
+      <p:par>
+        <p:cTn id="1" dur="indefinite" restart="never" nodeType="tmRoot"/>
+      </p:par>
+    </p:tnLst>
+  </p:timing>
 </p:sld>
 </file>
 
@@ -24833,6 +25079,14 @@
   <p:clrMapOvr>
     <a:masterClrMapping/>
   </p:clrMapOvr>
+  <mc:AlternateContent xmlns:mc="http://schemas.openxmlformats.org/markup-compatibility/2006">
+    <mc:Choice xmlns:p14="http://schemas.microsoft.com/office/powerpoint/2010/main" Requires="p14">
+      <p:transition spd="slow" p14:dur="2000"/>
+    </mc:Choice>
+    <mc:Fallback>
+      <p:transition spd="slow"/>
+    </mc:Fallback>
+  </mc:AlternateContent>
   <p:timing>
     <p:tnLst>
       <p:par>
@@ -26089,6 +26343,14 @@
   <p:clrMapOvr>
     <a:masterClrMapping/>
   </p:clrMapOvr>
+  <mc:AlternateContent xmlns:mc="http://schemas.openxmlformats.org/markup-compatibility/2006">
+    <mc:Choice xmlns:p14="http://schemas.microsoft.com/office/powerpoint/2010/main" Requires="p14">
+      <p:transition spd="slow" p14:dur="2000"/>
+    </mc:Choice>
+    <mc:Fallback>
+      <p:transition spd="slow"/>
+    </mc:Fallback>
+  </mc:AlternateContent>
   <p:timing>
     <p:tnLst>
       <p:par>
@@ -26297,6 +26559,13 @@
   <p:clrMapOvr>
     <a:masterClrMapping/>
   </p:clrMapOvr>
+  <p:timing>
+    <p:tnLst>
+      <p:par>
+        <p:cTn id="1" dur="indefinite" restart="never" nodeType="tmRoot"/>
+      </p:par>
+    </p:tnLst>
+  </p:timing>
 </p:sld>
 </file>
 
@@ -26575,6 +26844,13 @@
               </a:rPr>
               <a:t>//critical section</a:t>
             </a:r>
+            <a:r>
+              <a:rPr lang="en-US" sz="2000" dirty="0">
+                <a:latin typeface="Consolas" panose="020B0609020204030204" pitchFamily="49" charset="0"/>
+                <a:cs typeface="Consolas" panose="020B0609020204030204" pitchFamily="49" charset="0"/>
+              </a:rPr>
+              <a:t/>
+            </a:r>
             <a:br>
               <a:rPr lang="en-US" sz="2000" dirty="0">
                 <a:latin typeface="Consolas" panose="020B0609020204030204" pitchFamily="49" charset="0"/>
@@ -26662,6 +26938,13 @@
     <a:masterClrMapping/>
   </p:clrMapOvr>
   <p:transition/>
+  <p:timing>
+    <p:tnLst>
+      <p:par>
+        <p:cTn id="1" dur="indefinite" restart="never" nodeType="tmRoot"/>
+      </p:par>
+    </p:tnLst>
+  </p:timing>
 </p:sld>
 </file>
 
@@ -27160,6 +27443,13 @@
     <a:masterClrMapping/>
   </p:clrMapOvr>
   <p:transition/>
+  <p:timing>
+    <p:tnLst>
+      <p:par>
+        <p:cTn id="1" dur="indefinite" restart="never" nodeType="tmRoot"/>
+      </p:par>
+    </p:tnLst>
+  </p:timing>
 </p:sld>
 </file>
 
@@ -28686,6 +28976,13 @@
     <a:masterClrMapping/>
   </p:clrMapOvr>
   <p:transition/>
+  <p:timing>
+    <p:tnLst>
+      <p:par>
+        <p:cTn id="1" dur="indefinite" restart="never" nodeType="tmRoot"/>
+      </p:par>
+    </p:tnLst>
+  </p:timing>
 </p:sld>
 </file>
 
@@ -28932,6 +29229,13 @@
   <p:clrMapOvr>
     <a:masterClrMapping/>
   </p:clrMapOvr>
+  <p:timing>
+    <p:tnLst>
+      <p:par>
+        <p:cTn id="1" dur="indefinite" restart="never" nodeType="tmRoot"/>
+      </p:par>
+    </p:tnLst>
+  </p:timing>
 </p:sld>
 </file>
 
@@ -28981,6 +29285,13 @@
   <p:clrMapOvr>
     <a:masterClrMapping/>
   </p:clrMapOvr>
+  <p:timing>
+    <p:tnLst>
+      <p:par>
+        <p:cTn id="1" dur="indefinite" restart="never" nodeType="tmRoot"/>
+      </p:par>
+    </p:tnLst>
+  </p:timing>
 </p:sld>
 </file>
 
@@ -29512,6 +29823,13 @@
   <p:clrMapOvr>
     <a:masterClrMapping/>
   </p:clrMapOvr>
+  <p:timing>
+    <p:tnLst>
+      <p:par>
+        <p:cTn id="1" dur="indefinite" restart="never" nodeType="tmRoot"/>
+      </p:par>
+    </p:tnLst>
+  </p:timing>
 </p:sld>
 </file>
 
@@ -30086,6 +30404,13 @@
   <p:clrMapOvr>
     <a:masterClrMapping/>
   </p:clrMapOvr>
+  <p:timing>
+    <p:tnLst>
+      <p:par>
+        <p:cTn id="1" dur="indefinite" restart="never" nodeType="tmRoot"/>
+      </p:par>
+    </p:tnLst>
+  </p:timing>
 </p:sld>
 </file>
 
@@ -30684,6 +31009,13 @@
   <p:clrMapOvr>
     <a:masterClrMapping/>
   </p:clrMapOvr>
+  <p:timing>
+    <p:tnLst>
+      <p:par>
+        <p:cTn id="1" dur="indefinite" restart="never" nodeType="tmRoot"/>
+      </p:par>
+    </p:tnLst>
+  </p:timing>
 </p:sld>
 </file>
 
@@ -31531,6 +31863,13 @@
   <p:clrMapOvr>
     <a:masterClrMapping/>
   </p:clrMapOvr>
+  <p:timing>
+    <p:tnLst>
+      <p:par>
+        <p:cTn id="1" dur="indefinite" restart="never" nodeType="tmRoot"/>
+      </p:par>
+    </p:tnLst>
+  </p:timing>
 </p:sld>
 </file>
 
@@ -32504,6 +32843,13 @@
   <p:clrMapOvr>
     <a:masterClrMapping/>
   </p:clrMapOvr>
+  <p:timing>
+    <p:tnLst>
+      <p:par>
+        <p:cTn id="1" dur="indefinite" restart="never" nodeType="tmRoot"/>
+      </p:par>
+    </p:tnLst>
+  </p:timing>
 </p:sld>
 </file>
 
